--- a/ppt/学习总结-20221120.pptx
+++ b/ppt/学习总结-20221120.pptx
@@ -5,12 +5,14 @@
     <p:sldMasterId id="2147483677" r:id="rId1"/>
   </p:sldMasterIdLst>
   <p:notesMasterIdLst>
-    <p:notesMasterId r:id="rId5"/>
+    <p:notesMasterId r:id="rId7"/>
   </p:notesMasterIdLst>
   <p:sldIdLst>
     <p:sldId id="356" r:id="rId2"/>
     <p:sldId id="357" r:id="rId3"/>
-    <p:sldId id="360" r:id="rId4"/>
+    <p:sldId id="361" r:id="rId4"/>
+    <p:sldId id="362" r:id="rId5"/>
+    <p:sldId id="360" r:id="rId6"/>
   </p:sldIdLst>
   <p:sldSz cx="12192000" cy="6858000"/>
   <p:notesSz cx="6858000" cy="9144000"/>
@@ -686,7 +688,7 @@
           <a:p>
             <a:fld id="{48A87A34-81AB-432B-8DAE-1953F412C126}" type="datetimeFigureOut">
               <a:rPr lang="en-US" dirty="0"/>
-              <a:t>11/13/2022</a:t>
+              <a:t>11/20/2022</a:t>
             </a:fld>
             <a:endParaRPr lang="en-US" dirty="0"/>
           </a:p>
@@ -894,7 +896,7 @@
           <a:p>
             <a:fld id="{48A87A34-81AB-432B-8DAE-1953F412C126}" type="datetimeFigureOut">
               <a:rPr lang="en-US" dirty="0"/>
-              <a:t>11/13/2022</a:t>
+              <a:t>11/20/2022</a:t>
             </a:fld>
             <a:endParaRPr lang="en-US" dirty="0"/>
           </a:p>
@@ -1104,7 +1106,7 @@
           <a:p>
             <a:fld id="{48A87A34-81AB-432B-8DAE-1953F412C126}" type="datetimeFigureOut">
               <a:rPr lang="en-US" dirty="0"/>
-              <a:t>11/13/2022</a:t>
+              <a:t>11/20/2022</a:t>
             </a:fld>
             <a:endParaRPr lang="en-US" dirty="0"/>
           </a:p>
@@ -1302,7 +1304,7 @@
           <a:p>
             <a:fld id="{48A87A34-81AB-432B-8DAE-1953F412C126}" type="datetimeFigureOut">
               <a:rPr lang="en-US" dirty="0"/>
-              <a:t>11/13/2022</a:t>
+              <a:t>11/20/2022</a:t>
             </a:fld>
             <a:endParaRPr lang="en-US" dirty="0"/>
           </a:p>
@@ -1578,7 +1580,7 @@
           <a:p>
             <a:fld id="{48A87A34-81AB-432B-8DAE-1953F412C126}" type="datetimeFigureOut">
               <a:rPr lang="en-US" dirty="0"/>
-              <a:t>11/13/2022</a:t>
+              <a:t>11/20/2022</a:t>
             </a:fld>
             <a:endParaRPr lang="en-US" dirty="0"/>
           </a:p>
@@ -1843,7 +1845,7 @@
           <a:p>
             <a:fld id="{48A87A34-81AB-432B-8DAE-1953F412C126}" type="datetimeFigureOut">
               <a:rPr lang="en-US" dirty="0"/>
-              <a:t>11/13/2022</a:t>
+              <a:t>11/20/2022</a:t>
             </a:fld>
             <a:endParaRPr lang="en-US" dirty="0"/>
           </a:p>
@@ -2256,7 +2258,7 @@
           <a:p>
             <a:fld id="{48A87A34-81AB-432B-8DAE-1953F412C126}" type="datetimeFigureOut">
               <a:rPr lang="en-US" dirty="0"/>
-              <a:t>11/13/2022</a:t>
+              <a:t>11/20/2022</a:t>
             </a:fld>
             <a:endParaRPr lang="en-US" dirty="0"/>
           </a:p>
@@ -2402,7 +2404,7 @@
           <a:p>
             <a:fld id="{48A87A34-81AB-432B-8DAE-1953F412C126}" type="datetimeFigureOut">
               <a:rPr lang="en-US" dirty="0"/>
-              <a:t>11/13/2022</a:t>
+              <a:t>11/20/2022</a:t>
             </a:fld>
             <a:endParaRPr lang="en-US" dirty="0"/>
           </a:p>
@@ -2525,7 +2527,7 @@
           <a:p>
             <a:fld id="{48A87A34-81AB-432B-8DAE-1953F412C126}" type="datetimeFigureOut">
               <a:rPr lang="en-US" dirty="0"/>
-              <a:t>11/13/2022</a:t>
+              <a:t>11/20/2022</a:t>
             </a:fld>
             <a:endParaRPr lang="en-US" dirty="0"/>
           </a:p>
@@ -2771,7 +2773,7 @@
           <a:p>
             <a:fld id="{48A87A34-81AB-432B-8DAE-1953F412C126}" type="datetimeFigureOut">
               <a:rPr lang="en-US" dirty="0"/>
-              <a:t>11/13/2022</a:t>
+              <a:t>11/20/2022</a:t>
             </a:fld>
             <a:endParaRPr lang="en-US" dirty="0"/>
           </a:p>
@@ -3211,7 +3213,7 @@
           <a:p>
             <a:fld id="{48A87A34-81AB-432B-8DAE-1953F412C126}" type="datetimeFigureOut">
               <a:rPr lang="en-US" dirty="0"/>
-              <a:t>11/13/2022</a:t>
+              <a:t>11/20/2022</a:t>
             </a:fld>
             <a:endParaRPr lang="en-US" dirty="0"/>
           </a:p>
@@ -3530,7 +3532,7 @@
           <a:p>
             <a:fld id="{48A87A34-81AB-432B-8DAE-1953F412C126}" type="datetimeFigureOut">
               <a:rPr lang="en-US" dirty="0"/>
-              <a:t>11/13/2022</a:t>
+              <a:t>11/20/2022</a:t>
             </a:fld>
             <a:endParaRPr lang="en-US" dirty="0"/>
           </a:p>
@@ -4068,7 +4070,7 @@
             <a:pPr algn="r"/>
             <a:r>
               <a:rPr lang="en-US" altLang="zh-CN" dirty="0"/>
-              <a:t>2022.11.13</a:t>
+              <a:t>2022.11.20</a:t>
             </a:r>
             <a:endParaRPr lang="zh-CN" altLang="en-US" dirty="0"/>
           </a:p>
@@ -4153,30 +4155,37 @@
           <a:p>
             <a:r>
               <a:rPr lang="zh-CN" altLang="en-US" dirty="0"/>
-              <a:t>英语</a:t>
+              <a:t>基因编辑相关综述</a:t>
+            </a:r>
+            <a:r>
+              <a:rPr lang="en-US" altLang="zh-CN" dirty="0"/>
+              <a:t>	</a:t>
+            </a:r>
+          </a:p>
+          <a:p>
+            <a:pPr lvl="1"/>
+            <a:r>
+              <a:rPr lang="zh-CN" altLang="en-US" dirty="0"/>
+              <a:t>了解基因编辑技术的发展史</a:t>
             </a:r>
             <a:endParaRPr lang="en-US" altLang="zh-CN" dirty="0"/>
           </a:p>
           <a:p>
+            <a:pPr lvl="1"/>
+            <a:r>
+              <a:rPr lang="en-US" altLang="zh-CN" dirty="0"/>
+              <a:t>CRISPR-Cas9</a:t>
+            </a:r>
             <a:r>
               <a:rPr lang="zh-CN" altLang="en-US" dirty="0"/>
-              <a:t>复习考试</a:t>
+              <a:t>技术</a:t>
             </a:r>
             <a:endParaRPr lang="en-US" altLang="zh-CN" dirty="0"/>
           </a:p>
           <a:p>
-            <a:pPr lvl="1"/>
             <a:r>
               <a:rPr lang="zh-CN" altLang="en-US" dirty="0"/>
-              <a:t>现代优化方法、虚拟现实考完了</a:t>
-            </a:r>
-            <a:endParaRPr lang="en-US" altLang="zh-CN" dirty="0"/>
-          </a:p>
-          <a:p>
-            <a:pPr lvl="1"/>
-            <a:r>
-              <a:rPr lang="zh-CN" altLang="en-US" dirty="0"/>
-              <a:t>数据仓库和数据挖掘还没考</a:t>
+              <a:t>图神经网络学习</a:t>
             </a:r>
             <a:endParaRPr lang="en-US" altLang="zh-CN" dirty="0"/>
           </a:p>
@@ -4209,6 +4218,348 @@
       </p:grpSpPr>
       <p:sp>
         <p:nvSpPr>
+          <p:cNvPr id="2" name="标题 1">
+            <a:extLst>
+              <a:ext uri="{FF2B5EF4-FFF2-40B4-BE49-F238E27FC236}">
+                <a16:creationId xmlns:a16="http://schemas.microsoft.com/office/drawing/2014/main" id="{3327BC33-CB8B-4916-8F6E-E856E102463E}"/>
+              </a:ext>
+            </a:extLst>
+          </p:cNvPr>
+          <p:cNvSpPr>
+            <a:spLocks noGrp="1"/>
+          </p:cNvSpPr>
+          <p:nvPr>
+            <p:ph type="title"/>
+          </p:nvPr>
+        </p:nvSpPr>
+        <p:spPr/>
+        <p:txBody>
+          <a:bodyPr/>
+          <a:lstStyle/>
+          <a:p>
+            <a:r>
+              <a:rPr lang="en-US" altLang="zh-CN" dirty="0"/>
+              <a:t>GNN</a:t>
+            </a:r>
+            <a:r>
+              <a:rPr lang="zh-CN" altLang="en-US" dirty="0"/>
+              <a:t>架构</a:t>
+            </a:r>
+          </a:p>
+        </p:txBody>
+      </p:sp>
+      <p:sp>
+        <p:nvSpPr>
+          <p:cNvPr id="3" name="内容占位符 2">
+            <a:extLst>
+              <a:ext uri="{FF2B5EF4-FFF2-40B4-BE49-F238E27FC236}">
+                <a16:creationId xmlns:a16="http://schemas.microsoft.com/office/drawing/2014/main" id="{6E1FFE16-87D5-407F-894C-A4122988FBCC}"/>
+              </a:ext>
+            </a:extLst>
+          </p:cNvPr>
+          <p:cNvSpPr>
+            <a:spLocks noGrp="1"/>
+          </p:cNvSpPr>
+          <p:nvPr>
+            <p:ph idx="1"/>
+          </p:nvPr>
+        </p:nvSpPr>
+        <p:spPr>
+          <a:xfrm>
+            <a:off x="1451577" y="4542363"/>
+            <a:ext cx="9603275" cy="3450613"/>
+          </a:xfrm>
+        </p:spPr>
+        <p:txBody>
+          <a:bodyPr/>
+          <a:lstStyle/>
+          <a:p>
+            <a:r>
+              <a:rPr lang="zh-CN" altLang="en-US" dirty="0"/>
+              <a:t>最简单的</a:t>
+            </a:r>
+            <a:r>
+              <a:rPr lang="en-US" altLang="zh-CN" dirty="0"/>
+              <a:t>GNN</a:t>
+            </a:r>
+            <a:r>
+              <a:rPr lang="zh-CN" altLang="en-US" dirty="0"/>
+              <a:t>架构的缺点：三个</a:t>
+            </a:r>
+            <a:r>
+              <a:rPr lang="en-US" altLang="zh-CN" dirty="0"/>
+              <a:t>MLP</a:t>
+            </a:r>
+            <a:r>
+              <a:rPr lang="zh-CN" altLang="en-US" dirty="0"/>
+              <a:t>相互独立，没有用到图的连接性，只在聚集操作时会有联系</a:t>
+            </a:r>
+          </a:p>
+        </p:txBody>
+      </p:sp>
+      <p:pic>
+        <p:nvPicPr>
+          <p:cNvPr id="4" name="图片 3">
+            <a:extLst>
+              <a:ext uri="{FF2B5EF4-FFF2-40B4-BE49-F238E27FC236}">
+                <a16:creationId xmlns:a16="http://schemas.microsoft.com/office/drawing/2014/main" id="{ABFA2AF9-6932-4B79-B056-E669E0D25A75}"/>
+              </a:ext>
+            </a:extLst>
+          </p:cNvPr>
+          <p:cNvPicPr>
+            <a:picLocks noChangeAspect="1"/>
+          </p:cNvPicPr>
+          <p:nvPr/>
+        </p:nvPicPr>
+        <p:blipFill>
+          <a:blip r:embed="rId2"/>
+          <a:stretch>
+            <a:fillRect/>
+          </a:stretch>
+        </p:blipFill>
+        <p:spPr>
+          <a:xfrm>
+            <a:off x="1451578" y="1913176"/>
+            <a:ext cx="9603275" cy="2569765"/>
+          </a:xfrm>
+          <a:prstGeom prst="rect">
+            <a:avLst/>
+          </a:prstGeom>
+        </p:spPr>
+      </p:pic>
+    </p:spTree>
+    <p:extLst>
+      <p:ext uri="{BB962C8B-B14F-4D97-AF65-F5344CB8AC3E}">
+        <p14:creationId xmlns:p14="http://schemas.microsoft.com/office/powerpoint/2010/main" val="3841291465"/>
+      </p:ext>
+    </p:extLst>
+  </p:cSld>
+  <p:clrMapOvr>
+    <a:masterClrMapping/>
+  </p:clrMapOvr>
+</p:sld>
+</file>
+
+<file path=ppt/slides/slide4.xml><?xml version="1.0" encoding="utf-8"?>
+<p:sld xmlns:a="http://schemas.openxmlformats.org/drawingml/2006/main" xmlns:r="http://schemas.openxmlformats.org/officeDocument/2006/relationships" xmlns:p="http://schemas.openxmlformats.org/presentationml/2006/main">
+  <p:cSld>
+    <p:spTree>
+      <p:nvGrpSpPr>
+        <p:cNvPr id="1" name=""/>
+        <p:cNvGrpSpPr/>
+        <p:nvPr/>
+      </p:nvGrpSpPr>
+      <p:grpSpPr>
+        <a:xfrm>
+          <a:off x="0" y="0"/>
+          <a:ext cx="0" cy="0"/>
+          <a:chOff x="0" y="0"/>
+          <a:chExt cx="0" cy="0"/>
+        </a:xfrm>
+      </p:grpSpPr>
+      <p:sp>
+        <p:nvSpPr>
+          <p:cNvPr id="2" name="标题 1">
+            <a:extLst>
+              <a:ext uri="{FF2B5EF4-FFF2-40B4-BE49-F238E27FC236}">
+                <a16:creationId xmlns:a16="http://schemas.microsoft.com/office/drawing/2014/main" id="{CF676AE1-93BD-4537-A47E-303668109933}"/>
+              </a:ext>
+            </a:extLst>
+          </p:cNvPr>
+          <p:cNvSpPr>
+            <a:spLocks noGrp="1"/>
+          </p:cNvSpPr>
+          <p:nvPr>
+            <p:ph type="title"/>
+          </p:nvPr>
+        </p:nvSpPr>
+        <p:spPr/>
+        <p:txBody>
+          <a:bodyPr/>
+          <a:lstStyle/>
+          <a:p>
+            <a:r>
+              <a:rPr lang="zh-CN" altLang="en-US" dirty="0"/>
+              <a:t>信息传递</a:t>
+            </a:r>
+          </a:p>
+        </p:txBody>
+      </p:sp>
+      <p:sp>
+        <p:nvSpPr>
+          <p:cNvPr id="3" name="内容占位符 2">
+            <a:extLst>
+              <a:ext uri="{FF2B5EF4-FFF2-40B4-BE49-F238E27FC236}">
+                <a16:creationId xmlns:a16="http://schemas.microsoft.com/office/drawing/2014/main" id="{0C8710F7-4132-4E3A-BFC9-53BE69FA038F}"/>
+              </a:ext>
+            </a:extLst>
+          </p:cNvPr>
+          <p:cNvSpPr>
+            <a:spLocks noGrp="1"/>
+          </p:cNvSpPr>
+          <p:nvPr>
+            <p:ph idx="1"/>
+          </p:nvPr>
+        </p:nvSpPr>
+        <p:spPr>
+          <a:xfrm>
+            <a:off x="1451579" y="5540985"/>
+            <a:ext cx="9603275" cy="3450613"/>
+          </a:xfrm>
+        </p:spPr>
+        <p:txBody>
+          <a:bodyPr/>
+          <a:lstStyle/>
+          <a:p>
+            <a:endParaRPr lang="zh-CN" altLang="en-US" dirty="0"/>
+          </a:p>
+        </p:txBody>
+      </p:sp>
+      <p:pic>
+        <p:nvPicPr>
+          <p:cNvPr id="4" name="图片 3">
+            <a:extLst>
+              <a:ext uri="{FF2B5EF4-FFF2-40B4-BE49-F238E27FC236}">
+                <a16:creationId xmlns:a16="http://schemas.microsoft.com/office/drawing/2014/main" id="{F4E6E569-DE0D-43CD-9964-BA9F055B114E}"/>
+              </a:ext>
+            </a:extLst>
+          </p:cNvPr>
+          <p:cNvPicPr>
+            <a:picLocks noChangeAspect="1"/>
+          </p:cNvPicPr>
+          <p:nvPr/>
+        </p:nvPicPr>
+        <p:blipFill>
+          <a:blip r:embed="rId2"/>
+          <a:stretch>
+            <a:fillRect/>
+          </a:stretch>
+        </p:blipFill>
+        <p:spPr>
+          <a:xfrm>
+            <a:off x="1451578" y="1965045"/>
+            <a:ext cx="8928239" cy="3445269"/>
+          </a:xfrm>
+          <a:prstGeom prst="rect">
+            <a:avLst/>
+          </a:prstGeom>
+        </p:spPr>
+      </p:pic>
+    </p:spTree>
+    <p:extLst>
+      <p:ext uri="{BB962C8B-B14F-4D97-AF65-F5344CB8AC3E}">
+        <p14:creationId xmlns:p14="http://schemas.microsoft.com/office/powerpoint/2010/main" val="626091006"/>
+      </p:ext>
+    </p:extLst>
+  </p:cSld>
+  <p:clrMapOvr>
+    <a:masterClrMapping/>
+  </p:clrMapOvr>
+  <p:timing>
+    <p:tnLst>
+      <p:par>
+        <p:cTn id="1" dur="indefinite" restart="never" nodeType="tmRoot">
+          <p:childTnLst>
+            <p:seq concurrent="1" nextAc="seek">
+              <p:cTn id="2" dur="indefinite" nodeType="mainSeq">
+                <p:childTnLst>
+                  <p:par>
+                    <p:cTn id="3" fill="hold">
+                      <p:stCondLst>
+                        <p:cond delay="indefinite"/>
+                      </p:stCondLst>
+                      <p:childTnLst>
+                        <p:par>
+                          <p:cTn id="4" fill="hold">
+                            <p:stCondLst>
+                              <p:cond delay="0"/>
+                            </p:stCondLst>
+                            <p:childTnLst>
+                              <p:par>
+                                <p:cTn id="5" presetID="10" presetClass="entr" presetSubtype="0" fill="hold" nodeType="clickEffect">
+                                  <p:stCondLst>
+                                    <p:cond delay="0"/>
+                                  </p:stCondLst>
+                                  <p:childTnLst>
+                                    <p:set>
+                                      <p:cBhvr>
+                                        <p:cTn id="6" dur="1" fill="hold">
+                                          <p:stCondLst>
+                                            <p:cond delay="0"/>
+                                          </p:stCondLst>
+                                        </p:cTn>
+                                        <p:tgtEl>
+                                          <p:spTgt spid="4"/>
+                                        </p:tgtEl>
+                                        <p:attrNameLst>
+                                          <p:attrName>style.visibility</p:attrName>
+                                        </p:attrNameLst>
+                                      </p:cBhvr>
+                                      <p:to>
+                                        <p:strVal val="visible"/>
+                                      </p:to>
+                                    </p:set>
+                                    <p:animEffect transition="in" filter="fade">
+                                      <p:cBhvr>
+                                        <p:cTn id="7" dur="500"/>
+                                        <p:tgtEl>
+                                          <p:spTgt spid="4"/>
+                                        </p:tgtEl>
+                                      </p:cBhvr>
+                                    </p:animEffect>
+                                  </p:childTnLst>
+                                </p:cTn>
+                              </p:par>
+                            </p:childTnLst>
+                          </p:cTn>
+                        </p:par>
+                      </p:childTnLst>
+                    </p:cTn>
+                  </p:par>
+                </p:childTnLst>
+              </p:cTn>
+              <p:prevCondLst>
+                <p:cond evt="onPrev" delay="0">
+                  <p:tgtEl>
+                    <p:sldTgt/>
+                  </p:tgtEl>
+                </p:cond>
+              </p:prevCondLst>
+              <p:nextCondLst>
+                <p:cond evt="onNext" delay="0">
+                  <p:tgtEl>
+                    <p:sldTgt/>
+                  </p:tgtEl>
+                </p:cond>
+              </p:nextCondLst>
+            </p:seq>
+          </p:childTnLst>
+        </p:cTn>
+      </p:par>
+    </p:tnLst>
+  </p:timing>
+</p:sld>
+</file>
+
+<file path=ppt/slides/slide5.xml><?xml version="1.0" encoding="utf-8"?>
+<p:sld xmlns:a="http://schemas.openxmlformats.org/drawingml/2006/main" xmlns:r="http://schemas.openxmlformats.org/officeDocument/2006/relationships" xmlns:p="http://schemas.openxmlformats.org/presentationml/2006/main">
+  <p:cSld>
+    <p:spTree>
+      <p:nvGrpSpPr>
+        <p:cNvPr id="1" name=""/>
+        <p:cNvGrpSpPr/>
+        <p:nvPr/>
+      </p:nvGrpSpPr>
+      <p:grpSpPr>
+        <a:xfrm>
+          <a:off x="0" y="0"/>
+          <a:ext cx="0" cy="0"/>
+          <a:chOff x="0" y="0"/>
+          <a:chExt cx="0" cy="0"/>
+        </a:xfrm>
+      </p:grpSpPr>
+      <p:sp>
+        <p:nvSpPr>
           <p:cNvPr id="1048600" name="标题 1"/>
           <p:cNvSpPr>
             <a:spLocks noGrp="1"/>
@@ -4251,8 +4602,12 @@
               <a:t>1. </a:t>
             </a:r>
             <a:r>
-              <a:rPr lang="zh-CN" altLang="zh-CN" dirty="0"/>
+              <a:rPr lang="zh-CN" altLang="zh-CN"/>
               <a:t>看论文</a:t>
+            </a:r>
+            <a:r>
+              <a:rPr lang="zh-CN" altLang="en-US"/>
+              <a:t>（基因编辑相关）</a:t>
             </a:r>
             <a:endParaRPr lang="en-US" altLang="zh-CN" dirty="0"/>
           </a:p>
